--- a/sales_dashboard.pptx
+++ b/sales_dashboard.pptx
@@ -245,7 +245,7 @@
           <a:p xmlns:a="http://schemas.openxmlformats.org/drawingml/2006/main">
             <a:r>
               <a:rPr b="1" dirty="0"/>
-              <a:t>Top 5 Customers</a:t>
+              <a:t>Top 5 Customers Per Sales Amount</a:t>
             </a:r>
             <a:endParaRPr dirty="0"/>
           </a:p>
@@ -3604,7 +3604,7 @@
                 <a:ea typeface="Segoe UI" charset="0"/>
                 <a:cs typeface="Segoe UI" charset="0"/>
               </a:rPr>
-              <a:t>8/31/2023 1:47:00 PM UTC</a:t>
+              <a:t>9/2/2023 9:03:18 AM UTC</a:t>
             </a:r>
           </a:p>
         </p:txBody>
@@ -3661,7 +3661,7 @@
                 <a:ea typeface="Segoe UI" charset="0"/>
                 <a:cs typeface="Segoe UI" charset="0"/>
               </a:rPr>
-              <a:t>8/31/2023 10:53:38 AM UTC</a:t>
+              <a:t>9/1/2023 10:36:47 PM UTC</a:t>
             </a:r>
             <a:endParaRPr lang="en-US" sz="900" b="0" i="0" dirty="0">
               <a:solidFill>
@@ -3765,7 +3765,7 @@
       <p:grpSpPr/>
       <p:pic>
         <p:nvPicPr>
-          <p:cNvPr id="3" name="Picture" title="This slide contains the following visuals: Revenue ,Quantity Sold ,Selected Year ,textbox ,Sales Amount Trend ,Top 5 Customers ,Sales Amount by City ,Sales Amount by Zone ,Product Type ,Selected Product. Please refer to the notes on this slide for details">
+          <p:cNvPr id="3" name="Picture" title="This slide contains the following visuals: Revenue ,Quantity Sold ,Selected Year ,textbox ,Sales Amount Trend ,Top 5 Customers Per Sales Amount ,Sales Amount by City ,Sales Amount by Zone ,Product Type ,Selected Product. Please refer to the notes on this slide for details">
             <a:hlinkClick xmlns:r="http://schemas.openxmlformats.org/officeDocument/2006/relationships" xmlns:a="http://schemas.openxmlformats.org/drawingml/2006/main" r:id="RelId0"/>
           </p:cNvPr>
           <p:cNvPicPr>
@@ -3774,7 +3774,7 @@
           <p:nvPr/>
         </p:nvPicPr>
         <p:blipFill>
-          <a:blip xmlns:r="http://schemas.openxmlformats.org/officeDocument/2006/relationships" xmlns:a="http://schemas.openxmlformats.org/drawingml/2006/main" r:embed="imgId13635283"/>
+          <a:blip xmlns:r="http://schemas.openxmlformats.org/officeDocument/2006/relationships" xmlns:a="http://schemas.openxmlformats.org/drawingml/2006/main" r:embed="imgId13675274"/>
           <a:stretch xmlns:a="http://schemas.openxmlformats.org/drawingml/2006/main">
             <a:fillRect/>
           </a:stretch>
